--- a/inflearn02/doc/교재.pptx
+++ b/inflearn02/doc/교재.pptx
@@ -227,7 +227,7 @@
                 <a:latin typeface="맑은 고딕" panose="020B0503020000020004" pitchFamily="50" charset="-127"/>
                 <a:ea typeface="맑은 고딕" panose="020B0503020000020004" pitchFamily="50" charset="-127"/>
               </a:rPr>
-              <a:t>2021년 3월 5일</a:t>
+              <a:t>2021년 3월 17일</a:t>
             </a:fld>
             <a:endParaRPr lang="ko-KR" altLang="en-US">
               <a:latin typeface="맑은 고딕" panose="020B0503020000020004" pitchFamily="50" charset="-127"/>
@@ -413,7 +413,7 @@
             <a:fld id="{BE16EC8A-0758-4FA9-BF4D-3119057076D1}" type="datetime4">
               <a:rPr lang="ko-KR" altLang="en-US" smtClean="0"/>
               <a:pPr/>
-              <a:t>2021년 3월 5일</a:t>
+              <a:t>2021년 3월 17일</a:t>
             </a:fld>
             <a:endParaRPr lang="ko-KR" altLang="en-US"/>
           </a:p>
@@ -3369,7 +3369,7 @@
           <a:p>
             <a:fld id="{2A5B65E4-62A8-4988-B07B-5D6D443B14ED}" type="datetime4">
               <a:rPr lang="ko-KR" altLang="en-US" smtClean="0"/>
-              <a:t>2021년 3월 5일</a:t>
+              <a:t>2021년 3월 17일</a:t>
             </a:fld>
             <a:endParaRPr lang="ko-KR" altLang="en-US"/>
           </a:p>
@@ -3625,7 +3625,7 @@
           <a:p>
             <a:fld id="{58EB6286-0DE7-4336-9826-977AD102FCF2}" type="datetime4">
               <a:rPr lang="ko-KR" altLang="en-US" noProof="0" smtClean="0"/>
-              <a:t>2021년 3월 5일</a:t>
+              <a:t>2021년 3월 17일</a:t>
             </a:fld>
             <a:endParaRPr lang="ko-KR" altLang="en-US" noProof="0"/>
           </a:p>
@@ -3821,7 +3821,7 @@
             <a:pPr rtl="0"/>
             <a:fld id="{6A5419DA-7218-42E5-A443-F000500111E1}" type="datetime4">
               <a:rPr lang="ko-KR" altLang="en-US" noProof="0" smtClean="0"/>
-              <a:t>2021년 3월 5일</a:t>
+              <a:t>2021년 3월 17일</a:t>
             </a:fld>
             <a:endParaRPr lang="ko-KR" altLang="en-US" noProof="0"/>
           </a:p>
@@ -6222,7 +6222,7 @@
           <a:p>
             <a:fld id="{E498C52F-1DF1-4226-BAB6-C1E2EE4C9D62}" type="datetime4">
               <a:rPr lang="ko-KR" altLang="en-US" noProof="0" smtClean="0"/>
-              <a:t>2021년 3월 5일</a:t>
+              <a:t>2021년 3월 17일</a:t>
             </a:fld>
             <a:endParaRPr lang="ko-KR" altLang="en-US" noProof="0"/>
           </a:p>
@@ -6741,7 +6741,7 @@
           <a:p>
             <a:fld id="{7B1E1FFC-F755-4558-8D3C-A157D1A01A8A}" type="datetime4">
               <a:rPr lang="ko-KR" altLang="en-US" noProof="0" smtClean="0"/>
-              <a:t>2021년 3월 5일</a:t>
+              <a:t>2021년 3월 17일</a:t>
             </a:fld>
             <a:endParaRPr lang="ko-KR" altLang="en-US" noProof="0"/>
           </a:p>
@@ -6885,7 +6885,7 @@
             <a:pPr rtl="0"/>
             <a:fld id="{DA2A33C0-A4A8-4C90-B6DA-35B8CF58C816}" type="datetime4">
               <a:rPr lang="ko-KR" altLang="en-US" noProof="0" smtClean="0"/>
-              <a:t>2021년 3월 5일</a:t>
+              <a:t>2021년 3월 17일</a:t>
             </a:fld>
             <a:endParaRPr lang="ko-KR" altLang="en-US" noProof="0"/>
           </a:p>
@@ -8833,7 +8833,7 @@
           <a:p>
             <a:fld id="{53CB1B8F-A14A-4BE4-A9B9-3B263F04145C}" type="datetime4">
               <a:rPr lang="ko-KR" altLang="en-US" noProof="0" smtClean="0"/>
-              <a:t>2021년 3월 5일</a:t>
+              <a:t>2021년 3월 17일</a:t>
             </a:fld>
             <a:endParaRPr lang="ko-KR" altLang="en-US" noProof="0"/>
           </a:p>
@@ -11130,7 +11130,7 @@
           <a:p>
             <a:fld id="{5B9196A3-957C-4113-A568-B6ED9AEA3D01}" type="datetime4">
               <a:rPr lang="ko-KR" altLang="en-US" noProof="0" smtClean="0"/>
-              <a:t>2021년 3월 5일</a:t>
+              <a:t>2021년 3월 17일</a:t>
             </a:fld>
             <a:endParaRPr lang="ko-KR" altLang="en-US" noProof="0"/>
           </a:p>
@@ -15447,7 +15447,7 @@
           <a:p>
             <a:fld id="{28BEB146-D335-4DA5-9826-58595BCDBE2E}" type="datetime4">
               <a:rPr lang="ko-KR" altLang="en-US" noProof="0" smtClean="0"/>
-              <a:t>2021년 3월 5일</a:t>
+              <a:t>2021년 3월 17일</a:t>
             </a:fld>
             <a:endParaRPr lang="ko-KR" altLang="en-US" noProof="0"/>
           </a:p>
@@ -16613,18 +16613,15 @@
             </a:r>
             <a:r>
               <a:rPr lang="ko-KR" altLang="en-US"/>
-              <a:t>절반만 만들어진 실행 가능한 </a:t>
+              <a:t>절반만 만들어진 동작하는 소프트웨어</a:t>
             </a:r>
-            <a:r>
-              <a:rPr lang="en-US" altLang="ko-KR"/>
-              <a:t>SW</a:t>
-            </a:r>
+            <a:endParaRPr lang="en-US" altLang="ko-KR"/>
           </a:p>
           <a:p>
             <a:pPr lvl="1"/>
             <a:r>
               <a:rPr lang="ko-KR" altLang="en-US"/>
-              <a:t>절반만 만들어진 기능 </a:t>
+              <a:t>절반만 만들어진 </a:t>
             </a:r>
             <a:r>
               <a:rPr lang="en-US" altLang="ko-KR"/>
@@ -16664,7 +16661,7 @@
             </a:r>
             <a:r>
               <a:rPr lang="ko-KR" altLang="en-US"/>
-              <a:t>접근제어 등의 공통 기능</a:t>
+              <a:t>접근제어 등 공통 기능</a:t>
             </a:r>
             <a:endParaRPr lang="en-US" altLang="ko-KR"/>
           </a:p>
@@ -16672,7 +16669,7 @@
             <a:pPr lvl="1"/>
             <a:r>
               <a:rPr lang="ko-KR" altLang="en-US"/>
-              <a:t>실행 가능 </a:t>
+              <a:t>동작하는 소프트웨어 </a:t>
             </a:r>
             <a:r>
               <a:rPr lang="en-US" altLang="ko-KR"/>

--- a/inflearn02/doc/교재.pptx
+++ b/inflearn02/doc/교재.pptx
@@ -5,18 +5,19 @@
     <p:sldMasterId id="2147483648" r:id="rId1"/>
   </p:sldMasterIdLst>
   <p:notesMasterIdLst>
-    <p:notesMasterId r:id="rId8"/>
+    <p:notesMasterId r:id="rId9"/>
   </p:notesMasterIdLst>
   <p:handoutMasterIdLst>
-    <p:handoutMasterId r:id="rId9"/>
+    <p:handoutMasterId r:id="rId10"/>
   </p:handoutMasterIdLst>
   <p:sldIdLst>
     <p:sldId id="261" r:id="rId2"/>
     <p:sldId id="275" r:id="rId3"/>
     <p:sldId id="277" r:id="rId4"/>
-    <p:sldId id="271" r:id="rId5"/>
-    <p:sldId id="257" r:id="rId6"/>
-    <p:sldId id="276" r:id="rId7"/>
+    <p:sldId id="257" r:id="rId5"/>
+    <p:sldId id="280" r:id="rId6"/>
+    <p:sldId id="282" r:id="rId7"/>
+    <p:sldId id="283" r:id="rId8"/>
   </p:sldIdLst>
   <p:sldSz cx="12192000" cy="6858000"/>
   <p:notesSz cx="6858000" cy="9144000"/>
@@ -227,7 +228,7 @@
                 <a:latin typeface="맑은 고딕" panose="020B0503020000020004" pitchFamily="50" charset="-127"/>
                 <a:ea typeface="맑은 고딕" panose="020B0503020000020004" pitchFamily="50" charset="-127"/>
               </a:rPr>
-              <a:t>2021년 3월 17일</a:t>
+              <a:t>2021년 3월 25일</a:t>
             </a:fld>
             <a:endParaRPr lang="ko-KR" altLang="en-US">
               <a:latin typeface="맑은 고딕" panose="020B0503020000020004" pitchFamily="50" charset="-127"/>
@@ -413,7 +414,7 @@
             <a:fld id="{BE16EC8A-0758-4FA9-BF4D-3119057076D1}" type="datetime4">
               <a:rPr lang="ko-KR" altLang="en-US" smtClean="0"/>
               <a:pPr/>
-              <a:t>2021년 3월 17일</a:t>
+              <a:t>2021년 3월 25일</a:t>
             </a:fld>
             <a:endParaRPr lang="ko-KR" altLang="en-US"/>
           </a:p>
@@ -1049,7 +1050,7 @@
                 <a:latin typeface="맑은 고딕" panose="020B0503020000020004" pitchFamily="50" charset="-127"/>
                 <a:ea typeface="맑은 고딕" panose="020B0503020000020004" pitchFamily="50" charset="-127"/>
               </a:rPr>
-              <a:t>5</a:t>
+              <a:t>4</a:t>
             </a:fld>
             <a:endParaRPr lang="ko-KR" altLang="en-US">
               <a:latin typeface="맑은 고딕" panose="020B0503020000020004" pitchFamily="50" charset="-127"/>
@@ -1156,7 +1157,102 @@
     </p:spTree>
     <p:extLst>
       <p:ext uri="{BB962C8B-B14F-4D97-AF65-F5344CB8AC3E}">
-        <p14:creationId xmlns:p14="http://schemas.microsoft.com/office/powerpoint/2010/main" val="985604039"/>
+        <p14:creationId xmlns:p14="http://schemas.microsoft.com/office/powerpoint/2010/main" val="1980303916"/>
+      </p:ext>
+    </p:extLst>
+  </p:cSld>
+  <p:clrMapOvr>
+    <a:masterClrMapping/>
+  </p:clrMapOvr>
+</p:notes>
+</file>
+
+<file path=ppt/notesSlides/notesSlide6.xml><?xml version="1.0" encoding="utf-8"?>
+<p:notes xmlns:a="http://schemas.openxmlformats.org/drawingml/2006/main" xmlns:r="http://schemas.openxmlformats.org/officeDocument/2006/relationships" xmlns:p="http://schemas.openxmlformats.org/presentationml/2006/main">
+  <p:cSld>
+    <p:spTree>
+      <p:nvGrpSpPr>
+        <p:cNvPr id="1" name=""/>
+        <p:cNvGrpSpPr/>
+        <p:nvPr/>
+      </p:nvGrpSpPr>
+      <p:grpSpPr>
+        <a:xfrm>
+          <a:off x="0" y="0"/>
+          <a:ext cx="0" cy="0"/>
+          <a:chOff x="0" y="0"/>
+          <a:chExt cx="0" cy="0"/>
+        </a:xfrm>
+      </p:grpSpPr>
+      <p:sp>
+        <p:nvSpPr>
+          <p:cNvPr id="2" name="슬라이드 이미지 개체 틀 1"/>
+          <p:cNvSpPr>
+            <a:spLocks noGrp="1" noRot="1" noChangeAspect="1"/>
+          </p:cNvSpPr>
+          <p:nvPr>
+            <p:ph type="sldImg"/>
+          </p:nvPr>
+        </p:nvSpPr>
+        <p:spPr/>
+      </p:sp>
+      <p:sp>
+        <p:nvSpPr>
+          <p:cNvPr id="3" name="슬라이드 노트 개체 틀 2"/>
+          <p:cNvSpPr>
+            <a:spLocks noGrp="1"/>
+          </p:cNvSpPr>
+          <p:nvPr>
+            <p:ph type="body" idx="1"/>
+          </p:nvPr>
+        </p:nvSpPr>
+        <p:spPr/>
+        <p:txBody>
+          <a:bodyPr rtlCol="0"/>
+          <a:lstStyle/>
+          <a:p>
+            <a:pPr rtl="0"/>
+            <a:endParaRPr lang="ko-KR" altLang="en-US">
+              <a:latin typeface="맑은 고딕" panose="020B0503020000020004" pitchFamily="50" charset="-127"/>
+              <a:ea typeface="맑은 고딕" panose="020B0503020000020004" pitchFamily="50" charset="-127"/>
+            </a:endParaRPr>
+          </a:p>
+        </p:txBody>
+      </p:sp>
+      <p:sp>
+        <p:nvSpPr>
+          <p:cNvPr id="4" name="슬라이드 번호 개체 틀 3"/>
+          <p:cNvSpPr>
+            <a:spLocks noGrp="1"/>
+          </p:cNvSpPr>
+          <p:nvPr>
+            <p:ph type="sldNum" sz="quarter" idx="10"/>
+          </p:nvPr>
+        </p:nvSpPr>
+        <p:spPr/>
+        <p:txBody>
+          <a:bodyPr rtlCol="0"/>
+          <a:lstStyle/>
+          <a:p>
+            <a:pPr rtl="0"/>
+            <a:fld id="{82869989-EB00-4EE7-BCB5-25BDC5BB29F8}" type="slidenum">
+              <a:rPr lang="en-US" altLang="ko-KR" smtClean="0">
+                <a:latin typeface="맑은 고딕" panose="020B0503020000020004" pitchFamily="50" charset="-127"/>
+                <a:ea typeface="맑은 고딕" panose="020B0503020000020004" pitchFamily="50" charset="-127"/>
+              </a:rPr>
+              <a:t>7</a:t>
+            </a:fld>
+            <a:endParaRPr lang="ko-KR" altLang="en-US">
+              <a:latin typeface="맑은 고딕" panose="020B0503020000020004" pitchFamily="50" charset="-127"/>
+              <a:ea typeface="맑은 고딕" panose="020B0503020000020004" pitchFamily="50" charset="-127"/>
+            </a:endParaRPr>
+          </a:p>
+        </p:txBody>
+      </p:sp>
+    </p:spTree>
+    <p:extLst>
+      <p:ext uri="{BB962C8B-B14F-4D97-AF65-F5344CB8AC3E}">
+        <p14:creationId xmlns:p14="http://schemas.microsoft.com/office/powerpoint/2010/main" val="754412852"/>
       </p:ext>
     </p:extLst>
   </p:cSld>
@@ -3369,7 +3465,7 @@
           <a:p>
             <a:fld id="{2A5B65E4-62A8-4988-B07B-5D6D443B14ED}" type="datetime4">
               <a:rPr lang="ko-KR" altLang="en-US" smtClean="0"/>
-              <a:t>2021년 3월 17일</a:t>
+              <a:t>2021년 3월 25일</a:t>
             </a:fld>
             <a:endParaRPr lang="ko-KR" altLang="en-US"/>
           </a:p>
@@ -3625,7 +3721,7 @@
           <a:p>
             <a:fld id="{58EB6286-0DE7-4336-9826-977AD102FCF2}" type="datetime4">
               <a:rPr lang="ko-KR" altLang="en-US" noProof="0" smtClean="0"/>
-              <a:t>2021년 3월 17일</a:t>
+              <a:t>2021년 3월 25일</a:t>
             </a:fld>
             <a:endParaRPr lang="ko-KR" altLang="en-US" noProof="0"/>
           </a:p>
@@ -3821,7 +3917,7 @@
             <a:pPr rtl="0"/>
             <a:fld id="{6A5419DA-7218-42E5-A443-F000500111E1}" type="datetime4">
               <a:rPr lang="ko-KR" altLang="en-US" noProof="0" smtClean="0"/>
-              <a:t>2021년 3월 17일</a:t>
+              <a:t>2021년 3월 25일</a:t>
             </a:fld>
             <a:endParaRPr lang="ko-KR" altLang="en-US" noProof="0"/>
           </a:p>
@@ -6222,7 +6318,7 @@
           <a:p>
             <a:fld id="{E498C52F-1DF1-4226-BAB6-C1E2EE4C9D62}" type="datetime4">
               <a:rPr lang="ko-KR" altLang="en-US" noProof="0" smtClean="0"/>
-              <a:t>2021년 3월 17일</a:t>
+              <a:t>2021년 3월 25일</a:t>
             </a:fld>
             <a:endParaRPr lang="ko-KR" altLang="en-US" noProof="0"/>
           </a:p>
@@ -6741,7 +6837,7 @@
           <a:p>
             <a:fld id="{7B1E1FFC-F755-4558-8D3C-A157D1A01A8A}" type="datetime4">
               <a:rPr lang="ko-KR" altLang="en-US" noProof="0" smtClean="0"/>
-              <a:t>2021년 3월 17일</a:t>
+              <a:t>2021년 3월 25일</a:t>
             </a:fld>
             <a:endParaRPr lang="ko-KR" altLang="en-US" noProof="0"/>
           </a:p>
@@ -6885,7 +6981,7 @@
             <a:pPr rtl="0"/>
             <a:fld id="{DA2A33C0-A4A8-4C90-B6DA-35B8CF58C816}" type="datetime4">
               <a:rPr lang="ko-KR" altLang="en-US" noProof="0" smtClean="0"/>
-              <a:t>2021년 3월 17일</a:t>
+              <a:t>2021년 3월 25일</a:t>
             </a:fld>
             <a:endParaRPr lang="ko-KR" altLang="en-US" noProof="0"/>
           </a:p>
@@ -8833,7 +8929,7 @@
           <a:p>
             <a:fld id="{53CB1B8F-A14A-4BE4-A9B9-3B263F04145C}" type="datetime4">
               <a:rPr lang="ko-KR" altLang="en-US" noProof="0" smtClean="0"/>
-              <a:t>2021년 3월 17일</a:t>
+              <a:t>2021년 3월 25일</a:t>
             </a:fld>
             <a:endParaRPr lang="ko-KR" altLang="en-US" noProof="0"/>
           </a:p>
@@ -11130,7 +11226,7 @@
           <a:p>
             <a:fld id="{5B9196A3-957C-4113-A568-B6ED9AEA3D01}" type="datetime4">
               <a:rPr lang="ko-KR" altLang="en-US" noProof="0" smtClean="0"/>
-              <a:t>2021년 3월 17일</a:t>
+              <a:t>2021년 3월 25일</a:t>
             </a:fld>
             <a:endParaRPr lang="ko-KR" altLang="en-US" noProof="0"/>
           </a:p>
@@ -15447,7 +15543,7 @@
           <a:p>
             <a:fld id="{28BEB146-D335-4DA5-9826-58595BCDBE2E}" type="datetime4">
               <a:rPr lang="ko-KR" altLang="en-US" noProof="0" smtClean="0"/>
-              <a:t>2021년 3월 17일</a:t>
+              <a:t>2021년 3월 25일</a:t>
             </a:fld>
             <a:endParaRPr lang="ko-KR" altLang="en-US" noProof="0"/>
           </a:p>
@@ -15968,7 +16064,7 @@
             <a:pPr rtl="0"/>
             <a:r>
               <a:rPr lang="ko-KR" altLang="en-US"/>
-              <a:t>추상화는 복잡하고 어려운 기능을 쉽게 표현하고 사용할 수 있게 합니다</a:t>
+              <a:t>추상화된 공통기능을 쉽게 사용할 수 있도록 제공합니다</a:t>
             </a:r>
             <a:r>
               <a:rPr lang="en-US" altLang="ko-KR"/>
@@ -16146,7 +16242,7 @@
             <a:pPr lvl="1"/>
             <a:r>
               <a:rPr lang="ko-KR" altLang="en-US"/>
-              <a:t>표현은 먼저 구현은 나중에 </a:t>
+              <a:t>표현과 구현을 분리 </a:t>
             </a:r>
             <a:r>
               <a:rPr lang="en-US" altLang="ko-KR"/>
@@ -16178,7 +16274,7 @@
             <a:pPr lvl="1"/>
             <a:r>
               <a:rPr lang="ko-KR" altLang="en-US"/>
-              <a:t>생각할 시간을 줄임 </a:t>
+              <a:t>생각의 시간 줄임 </a:t>
             </a:r>
             <a:r>
               <a:rPr lang="en-US" altLang="ko-KR"/>
@@ -16266,16 +16362,27 @@
         </p:nvSpPr>
         <p:spPr/>
         <p:txBody>
-          <a:bodyPr rtlCol="0"/>
+          <a:bodyPr rtlCol="0">
+            <a:normAutofit/>
+          </a:bodyPr>
           <a:lstStyle/>
           <a:p>
-            <a:pPr rtl="0"/>
             <a:r>
               <a:rPr lang="en-US" altLang="ko-KR">
                 <a:latin typeface="맑은 고딕" panose="020B0503020000020004" pitchFamily="50" charset="-127"/>
                 <a:ea typeface="맑은 고딕" panose="020B0503020000020004" pitchFamily="50" charset="-127"/>
               </a:rPr>
-              <a:t>AOP (Aspect Oriented Programming)</a:t>
+              <a:t>AOP</a:t>
+            </a:r>
+            <a:br>
+              <a:rPr lang="en-US" altLang="ko-KR">
+                <a:latin typeface="맑은 고딕" panose="020B0503020000020004" pitchFamily="50" charset="-127"/>
+                <a:ea typeface="맑은 고딕" panose="020B0503020000020004" pitchFamily="50" charset="-127"/>
+              </a:rPr>
+            </a:br>
+            <a:r>
+              <a:rPr lang="en-US" altLang="ko-KR"/>
+              <a:t>http://jidum.com/jidums/view.do?jidumId=312</a:t>
             </a:r>
             <a:endParaRPr lang="ko-KR" altLang="en-US">
               <a:latin typeface="맑은 고딕" panose="020B0503020000020004" pitchFamily="50" charset="-127"/>
@@ -16318,7 +16425,7 @@
             </a:r>
             <a:r>
               <a:rPr lang="en-US" altLang="ko-KR"/>
-              <a:t>(</a:t>
+              <a:t>(Aspect Oriented Programming, </a:t>
             </a:r>
             <a:r>
               <a:rPr lang="ko-KR" altLang="en-US"/>
@@ -16540,13 +16647,7 @@
       </p:grpSpPr>
       <p:sp>
         <p:nvSpPr>
-          <p:cNvPr id="2" name="제목 1">
-            <a:extLst>
-              <a:ext uri="{FF2B5EF4-FFF2-40B4-BE49-F238E27FC236}">
-                <a16:creationId xmlns:a16="http://schemas.microsoft.com/office/drawing/2014/main" id="{BA5D0597-4C5A-4BCD-822E-643F66B48745}"/>
-              </a:ext>
-            </a:extLst>
-          </p:cNvPr>
+          <p:cNvPr id="2" name="제목 1"/>
           <p:cNvSpPr>
             <a:spLocks noGrp="1"/>
           </p:cNvSpPr>
@@ -16556,41 +16657,24 @@
         </p:nvSpPr>
         <p:spPr/>
         <p:txBody>
-          <a:bodyPr/>
+          <a:bodyPr rtlCol="0"/>
           <a:lstStyle/>
           <a:p>
+            <a:pPr rtl="0"/>
             <a:r>
               <a:rPr lang="ko-KR" altLang="en-US"/>
-              <a:t>공통기능 추상화 </a:t>
+              <a:t>프레임워크</a:t>
             </a:r>
-            <a:r>
-              <a:rPr lang="en-US" altLang="ko-KR"/>
-              <a:t>+ AOP</a:t>
-            </a:r>
-            <a:r>
-              <a:rPr lang="ko-KR" altLang="en-US"/>
-              <a:t> </a:t>
-            </a:r>
-            <a:r>
-              <a:rPr lang="en-US" altLang="ko-KR"/>
-              <a:t>=</a:t>
-            </a:r>
-            <a:r>
-              <a:rPr lang="ko-KR" altLang="en-US"/>
-              <a:t> 프레임워크</a:t>
-            </a:r>
+            <a:endParaRPr lang="ko-KR" altLang="en-US">
+              <a:latin typeface="맑은 고딕" panose="020B0503020000020004" pitchFamily="50" charset="-127"/>
+              <a:ea typeface="맑은 고딕" panose="020B0503020000020004" pitchFamily="50" charset="-127"/>
+            </a:endParaRPr>
           </a:p>
         </p:txBody>
       </p:sp>
       <p:sp>
         <p:nvSpPr>
-          <p:cNvPr id="3" name="내용 개체 틀 2">
-            <a:extLst>
-              <a:ext uri="{FF2B5EF4-FFF2-40B4-BE49-F238E27FC236}">
-                <a16:creationId xmlns:a16="http://schemas.microsoft.com/office/drawing/2014/main" id="{0C9231FF-28EB-4164-A188-3E920050747B}"/>
-              </a:ext>
-            </a:extLst>
-          </p:cNvPr>
+          <p:cNvPr id="3" name="내용 개체 틀 2"/>
           <p:cNvSpPr>
             <a:spLocks noGrp="1"/>
           </p:cNvSpPr>
@@ -16600,12 +16684,21 @@
         </p:nvSpPr>
         <p:spPr/>
         <p:txBody>
-          <a:bodyPr/>
+          <a:bodyPr rtlCol="0"/>
           <a:lstStyle/>
           <a:p>
+            <a:pPr rtl="0"/>
             <a:r>
               <a:rPr lang="ko-KR" altLang="en-US"/>
-              <a:t>프레임워크 </a:t>
+              <a:t>추상화된 공통기능이 원할때 제공되는 절반만 만들어진 실행 가능한 소프트웨어</a:t>
+            </a:r>
+            <a:endParaRPr lang="en-US" altLang="ko-KR"/>
+          </a:p>
+          <a:p>
+            <a:pPr lvl="1"/>
+            <a:r>
+              <a:rPr lang="ko-KR" altLang="en-US"/>
+              <a:t>추상화된 공통기능 </a:t>
             </a:r>
             <a:r>
               <a:rPr lang="en-US" altLang="ko-KR"/>
@@ -16613,7 +16706,7 @@
             </a:r>
             <a:r>
               <a:rPr lang="ko-KR" altLang="en-US"/>
-              <a:t>절반만 만들어진 동작하는 소프트웨어</a:t>
+              <a:t>쉽게 표현하고 쉽게 사용</a:t>
             </a:r>
             <a:endParaRPr lang="en-US" altLang="ko-KR"/>
           </a:p>
@@ -16621,79 +16714,41 @@
             <a:pPr lvl="1"/>
             <a:r>
               <a:rPr lang="ko-KR" altLang="en-US"/>
-              <a:t>절반만 만들어진 </a:t>
+              <a:t>원할때 제공되는 </a:t>
             </a:r>
+            <a:r>
+              <a:rPr lang="en-US" altLang="ko-KR"/>
+              <a:t>: AOP</a:t>
+            </a:r>
+          </a:p>
+          <a:p>
+            <a:pPr lvl="1"/>
+            <a:r>
+              <a:rPr lang="ko-KR" altLang="en-US"/>
+              <a:t>절반만 만들어진 실행가능한 소프트웨어</a:t>
+            </a:r>
+            <a:endParaRPr lang="en-US" altLang="ko-KR"/>
+          </a:p>
+          <a:p>
+            <a:pPr marL="506412" lvl="2" indent="0">
+              <a:buNone/>
+            </a:pPr>
             <a:r>
               <a:rPr lang="en-US" altLang="ko-KR"/>
               <a:t>: </a:t>
             </a:r>
             <a:r>
               <a:rPr lang="ko-KR" altLang="en-US"/>
-              <a:t>입력</a:t>
-            </a:r>
-            <a:r>
-              <a:rPr lang="en-US" altLang="ko-KR"/>
-              <a:t>/</a:t>
-            </a:r>
-            <a:r>
-              <a:rPr lang="ko-KR" altLang="en-US"/>
-              <a:t>출력</a:t>
-            </a:r>
-            <a:r>
-              <a:rPr lang="en-US" altLang="ko-KR"/>
-              <a:t>, </a:t>
-            </a:r>
-            <a:r>
-              <a:rPr lang="ko-KR" altLang="en-US"/>
-              <a:t>트랜젝션</a:t>
-            </a:r>
-            <a:r>
-              <a:rPr lang="en-US" altLang="ko-KR"/>
-              <a:t>, </a:t>
-            </a:r>
-            <a:r>
-              <a:rPr lang="ko-KR" altLang="en-US"/>
-              <a:t>인증</a:t>
-            </a:r>
-            <a:r>
-              <a:rPr lang="en-US" altLang="ko-KR"/>
-              <a:t>/</a:t>
-            </a:r>
-            <a:r>
-              <a:rPr lang="ko-KR" altLang="en-US"/>
-              <a:t>접근제어 등 공통 기능</a:t>
+              <a:t>나머지 절반인 비즈니스 로직에 집중할 수 있도록 </a:t>
             </a:r>
             <a:endParaRPr lang="en-US" altLang="ko-KR"/>
-          </a:p>
-          <a:p>
-            <a:pPr lvl="1"/>
-            <a:r>
-              <a:rPr lang="ko-KR" altLang="en-US"/>
-              <a:t>동작하는 소프트웨어 </a:t>
-            </a:r>
-            <a:r>
-              <a:rPr lang="en-US" altLang="ko-KR"/>
-              <a:t>: </a:t>
-            </a:r>
-            <a:r>
-              <a:rPr lang="ko-KR" altLang="en-US"/>
-              <a:t>공통 기능이 쉽게 이해되고 사용할 수 있게 </a:t>
-            </a:r>
-            <a:r>
-              <a:rPr lang="en-US" altLang="ko-KR"/>
-              <a:t>AOP </a:t>
-            </a:r>
-            <a:r>
-              <a:rPr lang="ko-KR" altLang="en-US"/>
-              <a:t>관점 제공</a:t>
-            </a:r>
           </a:p>
         </p:txBody>
       </p:sp>
     </p:spTree>
     <p:extLst>
       <p:ext uri="{BB962C8B-B14F-4D97-AF65-F5344CB8AC3E}">
-        <p14:creationId xmlns:p14="http://schemas.microsoft.com/office/powerpoint/2010/main" val="404669511"/>
+        <p14:creationId xmlns:p14="http://schemas.microsoft.com/office/powerpoint/2010/main" val="3984617762"/>
       </p:ext>
     </p:extLst>
   </p:cSld>
@@ -16734,6 +16789,296 @@
       </p:grpSpPr>
       <p:sp>
         <p:nvSpPr>
+          <p:cNvPr id="2" name="제목 1">
+            <a:extLst>
+              <a:ext uri="{FF2B5EF4-FFF2-40B4-BE49-F238E27FC236}">
+                <a16:creationId xmlns:a16="http://schemas.microsoft.com/office/drawing/2014/main" id="{76B341E2-F1BD-4866-867D-6836CC422B0D}"/>
+              </a:ext>
+            </a:extLst>
+          </p:cNvPr>
+          <p:cNvSpPr>
+            <a:spLocks noGrp="1"/>
+          </p:cNvSpPr>
+          <p:nvPr>
+            <p:ph type="title"/>
+          </p:nvPr>
+        </p:nvSpPr>
+        <p:spPr/>
+        <p:txBody>
+          <a:bodyPr/>
+          <a:lstStyle/>
+          <a:p>
+            <a:r>
+              <a:rPr lang="ko-KR" altLang="en-US"/>
+              <a:t>추상화된 공통기능</a:t>
+            </a:r>
+            <a:r>
+              <a:rPr lang="en-US" altLang="ko-KR"/>
+              <a:t> - </a:t>
+            </a:r>
+            <a:r>
+              <a:rPr lang="ko-KR" altLang="en-US"/>
+              <a:t>쉽게 표현하고 쉽게 사용</a:t>
+            </a:r>
+          </a:p>
+        </p:txBody>
+      </p:sp>
+      <p:sp>
+        <p:nvSpPr>
+          <p:cNvPr id="4" name="직사각형 3">
+            <a:extLst>
+              <a:ext uri="{FF2B5EF4-FFF2-40B4-BE49-F238E27FC236}">
+                <a16:creationId xmlns:a16="http://schemas.microsoft.com/office/drawing/2014/main" id="{7137525B-912F-40F9-AB15-F3BD45E8E234}"/>
+              </a:ext>
+            </a:extLst>
+          </p:cNvPr>
+          <p:cNvSpPr/>
+          <p:nvPr/>
+        </p:nvSpPr>
+        <p:spPr>
+          <a:xfrm>
+            <a:off x="1295400" y="2225310"/>
+            <a:ext cx="2816028" cy="436970"/>
+          </a:xfrm>
+          <a:prstGeom prst="rect">
+            <a:avLst/>
+          </a:prstGeom>
+        </p:spPr>
+        <p:style>
+          <a:lnRef idx="2">
+            <a:schemeClr val="accent6"/>
+          </a:lnRef>
+          <a:fillRef idx="1">
+            <a:schemeClr val="lt1"/>
+          </a:fillRef>
+          <a:effectRef idx="0">
+            <a:schemeClr val="accent6"/>
+          </a:effectRef>
+          <a:fontRef idx="minor">
+            <a:schemeClr val="dk1"/>
+          </a:fontRef>
+        </p:style>
+        <p:txBody>
+          <a:bodyPr rtlCol="0" anchor="ctr"/>
+          <a:lstStyle/>
+          <a:p>
+            <a:pPr algn="ctr"/>
+            <a:r>
+              <a:rPr lang="en-US" altLang="ko-KR" sz="1800">
+                <a:solidFill>
+                  <a:srgbClr val="000000"/>
+                </a:solidFill>
+                <a:latin typeface="Consolas" panose="020B0609020204030204" pitchFamily="49" charset="0"/>
+              </a:rPr>
+              <a:t>HttpServletRequest</a:t>
+            </a:r>
+            <a:endParaRPr lang="ko-KR" altLang="en-US"/>
+          </a:p>
+        </p:txBody>
+      </p:sp>
+      <p:sp>
+        <p:nvSpPr>
+          <p:cNvPr id="7" name="직사각형 6">
+            <a:extLst>
+              <a:ext uri="{FF2B5EF4-FFF2-40B4-BE49-F238E27FC236}">
+                <a16:creationId xmlns:a16="http://schemas.microsoft.com/office/drawing/2014/main" id="{0DE3228E-6A88-43BB-B3DF-2569C34A8B34}"/>
+              </a:ext>
+            </a:extLst>
+          </p:cNvPr>
+          <p:cNvSpPr/>
+          <p:nvPr/>
+        </p:nvSpPr>
+        <p:spPr>
+          <a:xfrm>
+            <a:off x="1731021" y="3276782"/>
+            <a:ext cx="2816028" cy="436970"/>
+          </a:xfrm>
+          <a:prstGeom prst="rect">
+            <a:avLst/>
+          </a:prstGeom>
+        </p:spPr>
+        <p:style>
+          <a:lnRef idx="2">
+            <a:schemeClr val="accent6"/>
+          </a:lnRef>
+          <a:fillRef idx="1">
+            <a:schemeClr val="lt1"/>
+          </a:fillRef>
+          <a:effectRef idx="0">
+            <a:schemeClr val="accent6"/>
+          </a:effectRef>
+          <a:fontRef idx="minor">
+            <a:schemeClr val="dk1"/>
+          </a:fontRef>
+        </p:style>
+        <p:txBody>
+          <a:bodyPr rtlCol="0" anchor="ctr"/>
+          <a:lstStyle/>
+          <a:p>
+            <a:pPr algn="ctr"/>
+            <a:r>
+              <a:rPr lang="en-US" altLang="ko-KR" sz="1800">
+                <a:solidFill>
+                  <a:srgbClr val="000000"/>
+                </a:solidFill>
+                <a:latin typeface="Consolas" panose="020B0609020204030204" pitchFamily="49" charset="0"/>
+              </a:rPr>
+              <a:t>Box</a:t>
+            </a:r>
+            <a:endParaRPr lang="ko-KR" altLang="en-US"/>
+          </a:p>
+        </p:txBody>
+      </p:sp>
+      <p:sp>
+        <p:nvSpPr>
+          <p:cNvPr id="8" name="직사각형 7">
+            <a:extLst>
+              <a:ext uri="{FF2B5EF4-FFF2-40B4-BE49-F238E27FC236}">
+                <a16:creationId xmlns:a16="http://schemas.microsoft.com/office/drawing/2014/main" id="{5EE718D0-3623-493B-8E04-5693B4F61723}"/>
+              </a:ext>
+            </a:extLst>
+          </p:cNvPr>
+          <p:cNvSpPr/>
+          <p:nvPr/>
+        </p:nvSpPr>
+        <p:spPr>
+          <a:xfrm>
+            <a:off x="2296115" y="4254723"/>
+            <a:ext cx="2816028" cy="436970"/>
+          </a:xfrm>
+          <a:prstGeom prst="rect">
+            <a:avLst/>
+          </a:prstGeom>
+        </p:spPr>
+        <p:style>
+          <a:lnRef idx="2">
+            <a:schemeClr val="accent6"/>
+          </a:lnRef>
+          <a:fillRef idx="1">
+            <a:schemeClr val="lt1"/>
+          </a:fillRef>
+          <a:effectRef idx="0">
+            <a:schemeClr val="accent6"/>
+          </a:effectRef>
+          <a:fontRef idx="minor">
+            <a:schemeClr val="dk1"/>
+          </a:fontRef>
+        </p:style>
+        <p:txBody>
+          <a:bodyPr rtlCol="0" anchor="ctr"/>
+          <a:lstStyle/>
+          <a:p>
+            <a:pPr algn="ctr"/>
+            <a:r>
+              <a:rPr lang="en-US" altLang="ko-KR" sz="1800">
+                <a:solidFill>
+                  <a:srgbClr val="000000"/>
+                </a:solidFill>
+                <a:latin typeface="Consolas" panose="020B0609020204030204" pitchFamily="49" charset="0"/>
+              </a:rPr>
+              <a:t>BoxHttp</a:t>
+            </a:r>
+            <a:endParaRPr lang="ko-KR" altLang="en-US"/>
+          </a:p>
+        </p:txBody>
+      </p:sp>
+      <p:sp>
+        <p:nvSpPr>
+          <p:cNvPr id="9" name="직사각형 8">
+            <a:extLst>
+              <a:ext uri="{FF2B5EF4-FFF2-40B4-BE49-F238E27FC236}">
+                <a16:creationId xmlns:a16="http://schemas.microsoft.com/office/drawing/2014/main" id="{EB1E59A3-8D8B-496D-970B-D2A9A4DBE954}"/>
+              </a:ext>
+            </a:extLst>
+          </p:cNvPr>
+          <p:cNvSpPr/>
+          <p:nvPr/>
+        </p:nvSpPr>
+        <p:spPr>
+          <a:xfrm>
+            <a:off x="2296115" y="4999863"/>
+            <a:ext cx="2816028" cy="436970"/>
+          </a:xfrm>
+          <a:prstGeom prst="rect">
+            <a:avLst/>
+          </a:prstGeom>
+        </p:spPr>
+        <p:style>
+          <a:lnRef idx="2">
+            <a:schemeClr val="accent6"/>
+          </a:lnRef>
+          <a:fillRef idx="1">
+            <a:schemeClr val="lt1"/>
+          </a:fillRef>
+          <a:effectRef idx="0">
+            <a:schemeClr val="accent6"/>
+          </a:effectRef>
+          <a:fontRef idx="minor">
+            <a:schemeClr val="dk1"/>
+          </a:fontRef>
+        </p:style>
+        <p:txBody>
+          <a:bodyPr rtlCol="0" anchor="ctr"/>
+          <a:lstStyle/>
+          <a:p>
+            <a:pPr algn="ctr"/>
+            <a:r>
+              <a:rPr lang="en-US" altLang="ko-KR" sz="1800">
+                <a:solidFill>
+                  <a:srgbClr val="000000"/>
+                </a:solidFill>
+                <a:latin typeface="Consolas" panose="020B0609020204030204" pitchFamily="49" charset="0"/>
+              </a:rPr>
+              <a:t>BoxLocal</a:t>
+            </a:r>
+            <a:endParaRPr lang="ko-KR" altLang="en-US"/>
+          </a:p>
+        </p:txBody>
+      </p:sp>
+    </p:spTree>
+    <p:extLst>
+      <p:ext uri="{BB962C8B-B14F-4D97-AF65-F5344CB8AC3E}">
+        <p14:creationId xmlns:p14="http://schemas.microsoft.com/office/powerpoint/2010/main" val="3838218692"/>
+      </p:ext>
+    </p:extLst>
+  </p:cSld>
+  <p:clrMapOvr>
+    <a:masterClrMapping/>
+  </p:clrMapOvr>
+  <mc:AlternateContent xmlns:mc="http://schemas.openxmlformats.org/markup-compatibility/2006" xmlns:p14="http://schemas.microsoft.com/office/powerpoint/2010/main">
+    <mc:Choice Requires="p14">
+      <p:transition spd="med" p14:dur="700">
+        <p:fade/>
+      </p:transition>
+    </mc:Choice>
+    <mc:Fallback xmlns="">
+      <p:transition spd="med">
+        <p:fade/>
+      </p:transition>
+    </mc:Fallback>
+  </mc:AlternateContent>
+</p:sld>
+</file>
+
+<file path=ppt/slides/slide6.xml><?xml version="1.0" encoding="utf-8"?>
+<p:sld xmlns:a="http://schemas.openxmlformats.org/drawingml/2006/main" xmlns:r="http://schemas.openxmlformats.org/officeDocument/2006/relationships" xmlns:p="http://schemas.openxmlformats.org/presentationml/2006/main">
+  <p:cSld>
+    <p:spTree>
+      <p:nvGrpSpPr>
+        <p:cNvPr id="1" name=""/>
+        <p:cNvGrpSpPr/>
+        <p:nvPr/>
+      </p:nvGrpSpPr>
+      <p:grpSpPr>
+        <a:xfrm>
+          <a:off x="0" y="0"/>
+          <a:ext cx="0" cy="0"/>
+          <a:chOff x="0" y="0"/>
+          <a:chExt cx="0" cy="0"/>
+        </a:xfrm>
+      </p:grpSpPr>
+      <p:sp>
+        <p:nvSpPr>
           <p:cNvPr id="2" name="제목 1"/>
           <p:cNvSpPr>
             <a:spLocks noGrp="1"/>
@@ -16750,23 +17095,11 @@
             <a:pPr rtl="0"/>
             <a:r>
               <a:rPr lang="ko-KR" altLang="en-US"/>
-              <a:t>공통기능 추상화 </a:t>
+              <a:t>원할때 제공되는 </a:t>
             </a:r>
             <a:r>
               <a:rPr lang="en-US" altLang="ko-KR"/>
-              <a:t>+ AOP</a:t>
-            </a:r>
-            <a:r>
-              <a:rPr lang="ko-KR" altLang="en-US"/>
-              <a:t> </a:t>
-            </a:r>
-            <a:r>
-              <a:rPr lang="en-US" altLang="ko-KR"/>
-              <a:t>=</a:t>
-            </a:r>
-            <a:r>
-              <a:rPr lang="ko-KR" altLang="en-US"/>
-              <a:t> 프레임워크</a:t>
+              <a:t>- AOP</a:t>
             </a:r>
             <a:endParaRPr lang="ko-KR" altLang="en-US">
               <a:latin typeface="맑은 고딕" panose="020B0503020000020004" pitchFamily="50" charset="-127"/>
@@ -16909,7 +17242,7 @@
     </p:spTree>
     <p:extLst>
       <p:ext uri="{BB962C8B-B14F-4D97-AF65-F5344CB8AC3E}">
-        <p14:creationId xmlns:p14="http://schemas.microsoft.com/office/powerpoint/2010/main" val="3984617762"/>
+        <p14:creationId xmlns:p14="http://schemas.microsoft.com/office/powerpoint/2010/main" val="2208101007"/>
       </p:ext>
     </p:extLst>
   </p:cSld>
@@ -16931,7 +17264,7 @@
 </p:sld>
 </file>
 
-<file path=ppt/slides/slide6.xml><?xml version="1.0" encoding="utf-8"?>
+<file path=ppt/slides/slide7.xml><?xml version="1.0" encoding="utf-8"?>
 <p:sld xmlns:a="http://schemas.openxmlformats.org/drawingml/2006/main" xmlns:r="http://schemas.openxmlformats.org/officeDocument/2006/relationships" xmlns:p="http://schemas.openxmlformats.org/presentationml/2006/main">
   <p:cSld>
     <p:spTree>
@@ -16960,77 +17293,180 @@
         </p:nvSpPr>
         <p:spPr/>
         <p:txBody>
-          <a:bodyPr rtlCol="0"/>
+          <a:bodyPr rtlCol="0">
+            <a:normAutofit/>
+          </a:bodyPr>
           <a:lstStyle/>
           <a:p>
-            <a:pPr rtl="0"/>
             <a:r>
-              <a:rPr lang="ko-KR" altLang="en-US">
-                <a:latin typeface="맑은 고딕" panose="020B0503020000020004" pitchFamily="50" charset="-127"/>
-                <a:ea typeface="맑은 고딕" panose="020B0503020000020004" pitchFamily="50" charset="-127"/>
-              </a:rPr>
-              <a:t>출처</a:t>
+              <a:rPr lang="ko-KR" altLang="en-US"/>
+              <a:t>절반만 만들어진 실행가능한 소프트웨어</a:t>
             </a:r>
+            <a:br>
+              <a:rPr lang="en-US" altLang="ko-KR"/>
+            </a:br>
+            <a:r>
+              <a:rPr lang="en-US" altLang="ko-KR"/>
+              <a:t>- </a:t>
+            </a:r>
+            <a:r>
+              <a:rPr lang="ko-KR" altLang="en-US"/>
+              <a:t>나머지 절반인 비즈니스 로직에 집중할 수 있도록</a:t>
+            </a:r>
+            <a:endParaRPr lang="ko-KR" altLang="en-US">
+              <a:latin typeface="맑은 고딕" panose="020B0503020000020004" pitchFamily="50" charset="-127"/>
+              <a:ea typeface="맑은 고딕" panose="020B0503020000020004" pitchFamily="50" charset="-127"/>
+            </a:endParaRPr>
           </a:p>
         </p:txBody>
       </p:sp>
       <p:sp>
         <p:nvSpPr>
-          <p:cNvPr id="3" name="내용 개체 틀 2">
+          <p:cNvPr id="8" name="직사각형 7">
             <a:extLst>
               <a:ext uri="{FF2B5EF4-FFF2-40B4-BE49-F238E27FC236}">
-                <a16:creationId xmlns:a16="http://schemas.microsoft.com/office/drawing/2014/main" id="{DA62FCA6-426E-41D1-9AF7-D575B841741D}"/>
+                <a16:creationId xmlns:a16="http://schemas.microsoft.com/office/drawing/2014/main" id="{3D8B9E55-A9E5-45E7-BA2A-9EAB6F479742}"/>
               </a:ext>
             </a:extLst>
           </p:cNvPr>
-          <p:cNvSpPr>
-            <a:spLocks noGrp="1"/>
-          </p:cNvSpPr>
-          <p:nvPr>
-            <p:ph idx="1"/>
-          </p:nvPr>
+          <p:cNvSpPr/>
+          <p:nvPr/>
         </p:nvSpPr>
-        <p:spPr/>
+        <p:spPr>
+          <a:xfrm>
+            <a:off x="4779022" y="3825510"/>
+            <a:ext cx="2816028" cy="436970"/>
+          </a:xfrm>
+          <a:prstGeom prst="rect">
+            <a:avLst/>
+          </a:prstGeom>
+        </p:spPr>
+        <p:style>
+          <a:lnRef idx="2">
+            <a:schemeClr val="accent6"/>
+          </a:lnRef>
+          <a:fillRef idx="1">
+            <a:schemeClr val="lt1"/>
+          </a:fillRef>
+          <a:effectRef idx="0">
+            <a:schemeClr val="accent6"/>
+          </a:effectRef>
+          <a:fontRef idx="minor">
+            <a:schemeClr val="dk1"/>
+          </a:fontRef>
+        </p:style>
         <p:txBody>
-          <a:bodyPr/>
+          <a:bodyPr rtlCol="0" anchor="ctr"/>
           <a:lstStyle/>
           <a:p>
-            <a:pPr rtl="0"/>
+            <a:pPr algn="ctr"/>
             <a:r>
               <a:rPr lang="en-US" altLang="ko-KR"/>
-              <a:t>AOP</a:t>
+              <a:t>Welcome_test</a:t>
             </a:r>
+            <a:endParaRPr lang="ko-KR" altLang="en-US"/>
+          </a:p>
+        </p:txBody>
+      </p:sp>
+      <p:sp>
+        <p:nvSpPr>
+          <p:cNvPr id="9" name="직사각형 8">
+            <a:extLst>
+              <a:ext uri="{FF2B5EF4-FFF2-40B4-BE49-F238E27FC236}">
+                <a16:creationId xmlns:a16="http://schemas.microsoft.com/office/drawing/2014/main" id="{335931FC-9AA7-4A46-918A-0BAC639EAD40}"/>
+              </a:ext>
+            </a:extLst>
+          </p:cNvPr>
+          <p:cNvSpPr/>
+          <p:nvPr/>
+        </p:nvSpPr>
+        <p:spPr>
+          <a:xfrm>
+            <a:off x="1295400" y="3137378"/>
+            <a:ext cx="2816028" cy="436970"/>
+          </a:xfrm>
+          <a:prstGeom prst="rect">
+            <a:avLst/>
+          </a:prstGeom>
+        </p:spPr>
+        <p:style>
+          <a:lnRef idx="2">
+            <a:schemeClr val="accent6"/>
+          </a:lnRef>
+          <a:fillRef idx="1">
+            <a:schemeClr val="lt1"/>
+          </a:fillRef>
+          <a:effectRef idx="0">
+            <a:schemeClr val="accent6"/>
+          </a:effectRef>
+          <a:fontRef idx="minor">
+            <a:schemeClr val="dk1"/>
+          </a:fontRef>
+        </p:style>
+        <p:txBody>
+          <a:bodyPr rtlCol="0" anchor="ctr"/>
+          <a:lstStyle/>
+          <a:p>
+            <a:pPr algn="ctr"/>
+            <a:r>
+              <a:rPr lang="en-US" altLang="ko-KR"/>
+              <a:t>Welcome</a:t>
+            </a:r>
+            <a:endParaRPr lang="ko-KR" altLang="en-US"/>
+          </a:p>
+        </p:txBody>
+      </p:sp>
+      <p:sp>
+        <p:nvSpPr>
+          <p:cNvPr id="11" name="직사각형 10">
+            <a:extLst>
+              <a:ext uri="{FF2B5EF4-FFF2-40B4-BE49-F238E27FC236}">
+                <a16:creationId xmlns:a16="http://schemas.microsoft.com/office/drawing/2014/main" id="{337D94FA-7D80-47A6-B362-8372638FF997}"/>
+              </a:ext>
+            </a:extLst>
+          </p:cNvPr>
+          <p:cNvSpPr/>
+          <p:nvPr/>
+        </p:nvSpPr>
+        <p:spPr>
+          <a:xfrm>
+            <a:off x="4779022" y="2383962"/>
+            <a:ext cx="2816028" cy="436970"/>
+          </a:xfrm>
+          <a:prstGeom prst="rect">
+            <a:avLst/>
+          </a:prstGeom>
+        </p:spPr>
+        <p:style>
+          <a:lnRef idx="2">
+            <a:schemeClr val="accent6"/>
+          </a:lnRef>
+          <a:fillRef idx="1">
+            <a:schemeClr val="lt1"/>
+          </a:fillRef>
+          <a:effectRef idx="0">
+            <a:schemeClr val="accent6"/>
+          </a:effectRef>
+          <a:fontRef idx="minor">
+            <a:schemeClr val="dk1"/>
+          </a:fontRef>
+        </p:style>
+        <p:txBody>
+          <a:bodyPr rtlCol="0" anchor="ctr"/>
+          <a:lstStyle/>
+          <a:p>
+            <a:pPr algn="ctr"/>
             <a:r>
               <a:rPr lang="ko-KR" altLang="en-US"/>
-              <a:t> </a:t>
+              <a:t>웹 브라우져</a:t>
             </a:r>
-            <a:r>
-              <a:rPr lang="en-US" altLang="ko-KR"/>
-              <a:t>(</a:t>
-            </a:r>
-            <a:r>
-              <a:rPr lang="ko-KR" altLang="en-US"/>
-              <a:t>관점지향프로그래밍</a:t>
-            </a:r>
-            <a:r>
-              <a:rPr lang="en-US" altLang="ko-KR"/>
-              <a:t>)</a:t>
-            </a:r>
-          </a:p>
-          <a:p>
-            <a:pPr lvl="1"/>
-            <a:r>
-              <a:rPr lang="en-US" altLang="ko-KR"/>
-              <a:t>http://jidum.com/jidums/view.do?jidumId=312</a:t>
-            </a:r>
-            <a:endParaRPr lang="ko-KR" altLang="en-US"/>
           </a:p>
         </p:txBody>
       </p:sp>
     </p:spTree>
     <p:extLst>
       <p:ext uri="{BB962C8B-B14F-4D97-AF65-F5344CB8AC3E}">
-        <p14:creationId xmlns:p14="http://schemas.microsoft.com/office/powerpoint/2010/main" val="3164537775"/>
+        <p14:creationId xmlns:p14="http://schemas.microsoft.com/office/powerpoint/2010/main" val="3742377253"/>
       </p:ext>
     </p:extLst>
   </p:cSld>

--- a/inflearn02/doc/교재.pptx
+++ b/inflearn02/doc/교재.pptx
@@ -228,7 +228,7 @@
                 <a:latin typeface="맑은 고딕" panose="020B0503020000020004" pitchFamily="50" charset="-127"/>
                 <a:ea typeface="맑은 고딕" panose="020B0503020000020004" pitchFamily="50" charset="-127"/>
               </a:rPr>
-              <a:t>2021년 3월 25일</a:t>
+              <a:t>2021년 3월 27일</a:t>
             </a:fld>
             <a:endParaRPr lang="ko-KR" altLang="en-US">
               <a:latin typeface="맑은 고딕" panose="020B0503020000020004" pitchFamily="50" charset="-127"/>
@@ -414,7 +414,7 @@
             <a:fld id="{BE16EC8A-0758-4FA9-BF4D-3119057076D1}" type="datetime4">
               <a:rPr lang="ko-KR" altLang="en-US" smtClean="0"/>
               <a:pPr/>
-              <a:t>2021년 3월 25일</a:t>
+              <a:t>2021년 3월 27일</a:t>
             </a:fld>
             <a:endParaRPr lang="ko-KR" altLang="en-US"/>
           </a:p>
@@ -3465,7 +3465,7 @@
           <a:p>
             <a:fld id="{2A5B65E4-62A8-4988-B07B-5D6D443B14ED}" type="datetime4">
               <a:rPr lang="ko-KR" altLang="en-US" smtClean="0"/>
-              <a:t>2021년 3월 25일</a:t>
+              <a:t>2021년 3월 27일</a:t>
             </a:fld>
             <a:endParaRPr lang="ko-KR" altLang="en-US"/>
           </a:p>
@@ -3721,7 +3721,7 @@
           <a:p>
             <a:fld id="{58EB6286-0DE7-4336-9826-977AD102FCF2}" type="datetime4">
               <a:rPr lang="ko-KR" altLang="en-US" noProof="0" smtClean="0"/>
-              <a:t>2021년 3월 25일</a:t>
+              <a:t>2021년 3월 27일</a:t>
             </a:fld>
             <a:endParaRPr lang="ko-KR" altLang="en-US" noProof="0"/>
           </a:p>
@@ -3917,7 +3917,7 @@
             <a:pPr rtl="0"/>
             <a:fld id="{6A5419DA-7218-42E5-A443-F000500111E1}" type="datetime4">
               <a:rPr lang="ko-KR" altLang="en-US" noProof="0" smtClean="0"/>
-              <a:t>2021년 3월 25일</a:t>
+              <a:t>2021년 3월 27일</a:t>
             </a:fld>
             <a:endParaRPr lang="ko-KR" altLang="en-US" noProof="0"/>
           </a:p>
@@ -6318,7 +6318,7 @@
           <a:p>
             <a:fld id="{E498C52F-1DF1-4226-BAB6-C1E2EE4C9D62}" type="datetime4">
               <a:rPr lang="ko-KR" altLang="en-US" noProof="0" smtClean="0"/>
-              <a:t>2021년 3월 25일</a:t>
+              <a:t>2021년 3월 27일</a:t>
             </a:fld>
             <a:endParaRPr lang="ko-KR" altLang="en-US" noProof="0"/>
           </a:p>
@@ -6837,7 +6837,7 @@
           <a:p>
             <a:fld id="{7B1E1FFC-F755-4558-8D3C-A157D1A01A8A}" type="datetime4">
               <a:rPr lang="ko-KR" altLang="en-US" noProof="0" smtClean="0"/>
-              <a:t>2021년 3월 25일</a:t>
+              <a:t>2021년 3월 27일</a:t>
             </a:fld>
             <a:endParaRPr lang="ko-KR" altLang="en-US" noProof="0"/>
           </a:p>
@@ -6981,7 +6981,7 @@
             <a:pPr rtl="0"/>
             <a:fld id="{DA2A33C0-A4A8-4C90-B6DA-35B8CF58C816}" type="datetime4">
               <a:rPr lang="ko-KR" altLang="en-US" noProof="0" smtClean="0"/>
-              <a:t>2021년 3월 25일</a:t>
+              <a:t>2021년 3월 27일</a:t>
             </a:fld>
             <a:endParaRPr lang="ko-KR" altLang="en-US" noProof="0"/>
           </a:p>
@@ -8929,7 +8929,7 @@
           <a:p>
             <a:fld id="{53CB1B8F-A14A-4BE4-A9B9-3B263F04145C}" type="datetime4">
               <a:rPr lang="ko-KR" altLang="en-US" noProof="0" smtClean="0"/>
-              <a:t>2021년 3월 25일</a:t>
+              <a:t>2021년 3월 27일</a:t>
             </a:fld>
             <a:endParaRPr lang="ko-KR" altLang="en-US" noProof="0"/>
           </a:p>
@@ -11226,7 +11226,7 @@
           <a:p>
             <a:fld id="{5B9196A3-957C-4113-A568-B6ED9AEA3D01}" type="datetime4">
               <a:rPr lang="ko-KR" altLang="en-US" noProof="0" smtClean="0"/>
-              <a:t>2021년 3월 25일</a:t>
+              <a:t>2021년 3월 27일</a:t>
             </a:fld>
             <a:endParaRPr lang="ko-KR" altLang="en-US" noProof="0"/>
           </a:p>
@@ -15543,7 +15543,7 @@
           <a:p>
             <a:fld id="{28BEB146-D335-4DA5-9826-58595BCDBE2E}" type="datetime4">
               <a:rPr lang="ko-KR" altLang="en-US" noProof="0" smtClean="0"/>
-              <a:t>2021년 3월 25일</a:t>
+              <a:t>2021년 3월 27일</a:t>
             </a:fld>
             <a:endParaRPr lang="ko-KR" altLang="en-US" noProof="0"/>
           </a:p>
@@ -16019,24 +16019,18 @@
           <a:p>
             <a:pPr rtl="0"/>
             <a:r>
-              <a:rPr lang="ko-KR" altLang="en-US" err="1">
+              <a:rPr lang="ko-KR" altLang="en-US" dirty="0" err="1">
                 <a:latin typeface="맑은 고딕" panose="020B0503020000020004" pitchFamily="50" charset="-127"/>
                 <a:ea typeface="맑은 고딕" panose="020B0503020000020004" pitchFamily="50" charset="-127"/>
               </a:rPr>
               <a:t>백엔드</a:t>
             </a:r>
-            <a:br>
-              <a:rPr lang="en-US" altLang="ko-KR">
+            <a:r>
+              <a:rPr lang="ko-KR" altLang="en-US" dirty="0">
                 <a:latin typeface="맑은 고딕" panose="020B0503020000020004" pitchFamily="50" charset="-127"/>
                 <a:ea typeface="맑은 고딕" panose="020B0503020000020004" pitchFamily="50" charset="-127"/>
               </a:rPr>
-            </a:br>
-            <a:r>
-              <a:rPr lang="ko-KR" altLang="en-US">
-                <a:latin typeface="맑은 고딕" panose="020B0503020000020004" pitchFamily="50" charset="-127"/>
-                <a:ea typeface="맑은 고딕" panose="020B0503020000020004" pitchFamily="50" charset="-127"/>
-              </a:rPr>
-              <a:t>프레임워크 만들기</a:t>
+              <a:t> 프레임워크 만들기</a:t>
             </a:r>
           </a:p>
         </p:txBody>
@@ -16058,19 +16052,21 @@
           </a:xfrm>
         </p:spPr>
         <p:txBody>
-          <a:bodyPr rtlCol="0"/>
+          <a:bodyPr rtlCol="0">
+            <a:normAutofit/>
+          </a:bodyPr>
           <a:lstStyle/>
           <a:p>
             <a:pPr rtl="0"/>
             <a:r>
-              <a:rPr lang="ko-KR" altLang="en-US"/>
-              <a:t>추상화된 공통기능을 쉽게 사용할 수 있도록 제공합니다</a:t>
+              <a:rPr lang="ko-KR" altLang="en-US" dirty="0"/>
+              <a:t>공통기능을 추상화 하고 쉽게 사용할 수 있도록 구성합니다</a:t>
             </a:r>
             <a:r>
-              <a:rPr lang="en-US" altLang="ko-KR"/>
+              <a:rPr lang="en-US" altLang="ko-KR" dirty="0"/>
               <a:t>.</a:t>
             </a:r>
-            <a:endParaRPr lang="ko-KR" altLang="en-US">
+            <a:endParaRPr lang="ko-KR" altLang="en-US" dirty="0">
               <a:latin typeface="맑은 고딕" panose="020B0503020000020004" pitchFamily="50" charset="-127"/>
               <a:ea typeface="맑은 고딕" panose="020B0503020000020004" pitchFamily="50" charset="-127"/>
             </a:endParaRPr>
@@ -16169,43 +16165,51 @@
           <a:p>
             <a:pPr rtl="0"/>
             <a:r>
-              <a:rPr lang="ko-KR" altLang="en-US"/>
-              <a:t>추상화는 복잡하고 어려운 기능을 쉽게 표현하고 사용할 수 있게 해주는 기법</a:t>
+              <a:rPr lang="ko-KR" altLang="en-US" dirty="0"/>
+              <a:t>추상화</a:t>
             </a:r>
-            <a:endParaRPr lang="ko-KR" altLang="en-US">
+            <a:endParaRPr lang="en-US" altLang="ko-KR" dirty="0"/>
+          </a:p>
+          <a:p>
+            <a:pPr lvl="1"/>
+            <a:r>
+              <a:rPr lang="ko-KR" altLang="en-US" dirty="0"/>
+              <a:t>복잡하고 어려운 기능을 단순하게 표현하고 쉽게 사용할 수 있게 해주는 기법</a:t>
+            </a:r>
+            <a:endParaRPr lang="ko-KR" altLang="en-US" dirty="0">
               <a:latin typeface="맑은 고딕" panose="020B0503020000020004" pitchFamily="50" charset="-127"/>
               <a:ea typeface="맑은 고딕" panose="020B0503020000020004" pitchFamily="50" charset="-127"/>
             </a:endParaRPr>
           </a:p>
           <a:p>
             <a:r>
-              <a:rPr lang="ko-KR" altLang="en-US"/>
-              <a:t>쉽게 표현</a:t>
+              <a:rPr lang="ko-KR" altLang="en-US" dirty="0"/>
+              <a:t>단순하게 표현</a:t>
             </a:r>
-            <a:endParaRPr lang="en-US" altLang="ko-KR"/>
+            <a:endParaRPr lang="en-US" altLang="ko-KR" dirty="0"/>
           </a:p>
           <a:p>
             <a:pPr lvl="1"/>
             <a:r>
-              <a:rPr lang="en-US" altLang="ko-KR">
+              <a:rPr lang="en-US" altLang="ko-KR" dirty="0">
                 <a:latin typeface="맑은 고딕" panose="020B0503020000020004" pitchFamily="50" charset="-127"/>
                 <a:ea typeface="맑은 고딕" panose="020B0503020000020004" pitchFamily="50" charset="-127"/>
               </a:rPr>
               <a:t>abstract class, </a:t>
             </a:r>
             <a:r>
-              <a:rPr lang="en-US" altLang="ko-KR"/>
+              <a:rPr lang="en-US" altLang="ko-KR" dirty="0"/>
               <a:t>extends (</a:t>
             </a:r>
             <a:r>
-              <a:rPr lang="ko-KR" altLang="en-US">
+              <a:rPr lang="ko-KR" altLang="en-US" dirty="0">
                 <a:latin typeface="맑은 고딕" panose="020B0503020000020004" pitchFamily="50" charset="-127"/>
                 <a:ea typeface="맑은 고딕" panose="020B0503020000020004" pitchFamily="50" charset="-127"/>
               </a:rPr>
               <a:t>단일 상속</a:t>
             </a:r>
             <a:r>
-              <a:rPr lang="en-US" altLang="ko-KR">
+              <a:rPr lang="en-US" altLang="ko-KR" dirty="0">
                 <a:latin typeface="맑은 고딕" panose="020B0503020000020004" pitchFamily="50" charset="-127"/>
                 <a:ea typeface="맑은 고딕" panose="020B0503020000020004" pitchFamily="50" charset="-127"/>
               </a:rPr>
@@ -16215,93 +16219,93 @@
           <a:p>
             <a:pPr lvl="1"/>
             <a:r>
-              <a:rPr lang="en-US" altLang="ko-KR"/>
+              <a:rPr lang="en-US" altLang="ko-KR" dirty="0"/>
               <a:t>interface, implements (</a:t>
             </a:r>
             <a:r>
-              <a:rPr lang="ko-KR" altLang="en-US"/>
+              <a:rPr lang="ko-KR" altLang="en-US" dirty="0"/>
               <a:t>다중 구현</a:t>
             </a:r>
             <a:r>
-              <a:rPr lang="en-US" altLang="ko-KR"/>
+              <a:rPr lang="en-US" altLang="ko-KR" dirty="0"/>
               <a:t>)</a:t>
             </a:r>
-            <a:endParaRPr lang="en-US" altLang="ko-KR">
+            <a:endParaRPr lang="en-US" altLang="ko-KR" dirty="0">
               <a:latin typeface="맑은 고딕" panose="020B0503020000020004" pitchFamily="50" charset="-127"/>
               <a:ea typeface="맑은 고딕" panose="020B0503020000020004" pitchFamily="50" charset="-127"/>
             </a:endParaRPr>
           </a:p>
           <a:p>
             <a:r>
-              <a:rPr lang="ko-KR" altLang="en-US"/>
+              <a:rPr lang="ko-KR" altLang="en-US" dirty="0"/>
               <a:t>쉽게 사용</a:t>
             </a:r>
-            <a:endParaRPr lang="en-US" altLang="ko-KR"/>
+            <a:endParaRPr lang="en-US" altLang="ko-KR" dirty="0"/>
           </a:p>
           <a:p>
             <a:pPr lvl="1"/>
             <a:r>
-              <a:rPr lang="ko-KR" altLang="en-US"/>
+              <a:rPr lang="ko-KR" altLang="en-US" dirty="0"/>
               <a:t>표현과 구현을 분리 </a:t>
             </a:r>
             <a:r>
-              <a:rPr lang="en-US" altLang="ko-KR"/>
+              <a:rPr lang="en-US" altLang="ko-KR" dirty="0"/>
               <a:t>: </a:t>
             </a:r>
             <a:r>
-              <a:rPr lang="ko-KR" altLang="en-US"/>
+              <a:rPr lang="ko-KR" altLang="en-US" dirty="0"/>
               <a:t>위임</a:t>
             </a:r>
             <a:r>
-              <a:rPr lang="en-US" altLang="ko-KR"/>
+              <a:rPr lang="en-US" altLang="ko-KR" dirty="0"/>
               <a:t>, </a:t>
             </a:r>
             <a:r>
-              <a:rPr lang="ko-KR" altLang="en-US"/>
+              <a:rPr lang="ko-KR" altLang="en-US" dirty="0"/>
               <a:t>상속</a:t>
             </a:r>
             <a:r>
-              <a:rPr lang="en-US" altLang="ko-KR"/>
+              <a:rPr lang="en-US" altLang="ko-KR" dirty="0"/>
               <a:t>, </a:t>
             </a:r>
             <a:r>
-              <a:rPr lang="ko-KR" altLang="en-US"/>
+              <a:rPr lang="ko-KR" altLang="en-US" dirty="0"/>
               <a:t>구현</a:t>
             </a:r>
-            <a:endParaRPr lang="en-US" altLang="ko-KR"/>
+            <a:endParaRPr lang="en-US" altLang="ko-KR" dirty="0"/>
           </a:p>
           <a:p>
             <a:pPr lvl="1"/>
             <a:r>
-              <a:rPr lang="ko-KR" altLang="en-US"/>
+              <a:rPr lang="ko-KR" altLang="en-US" dirty="0"/>
               <a:t>생각의 시간 줄임 </a:t>
             </a:r>
             <a:r>
-              <a:rPr lang="en-US" altLang="ko-KR"/>
+              <a:rPr lang="en-US" altLang="ko-KR" dirty="0"/>
               <a:t>: </a:t>
             </a:r>
             <a:r>
-              <a:rPr lang="ko-KR" altLang="en-US">
+              <a:rPr lang="ko-KR" altLang="en-US" dirty="0">
                 <a:latin typeface="맑은 고딕" panose="020B0503020000020004" pitchFamily="50" charset="-127"/>
                 <a:ea typeface="맑은 고딕" panose="020B0503020000020004" pitchFamily="50" charset="-127"/>
               </a:rPr>
               <a:t>정보은닉</a:t>
             </a:r>
             <a:r>
-              <a:rPr lang="en-US" altLang="ko-KR">
+              <a:rPr lang="en-US" altLang="ko-KR" dirty="0">
                 <a:latin typeface="맑은 고딕" panose="020B0503020000020004" pitchFamily="50" charset="-127"/>
                 <a:ea typeface="맑은 고딕" panose="020B0503020000020004" pitchFamily="50" charset="-127"/>
               </a:rPr>
               <a:t>, </a:t>
             </a:r>
             <a:r>
-              <a:rPr lang="ko-KR" altLang="en-US">
+              <a:rPr lang="ko-KR" altLang="en-US" dirty="0">
                 <a:latin typeface="맑은 고딕" panose="020B0503020000020004" pitchFamily="50" charset="-127"/>
                 <a:ea typeface="맑은 고딕" panose="020B0503020000020004" pitchFamily="50" charset="-127"/>
               </a:rPr>
               <a:t>캡슐화</a:t>
             </a:r>
-            <a:endParaRPr lang="en-US" altLang="ko-KR">
+            <a:endParaRPr lang="en-US" altLang="ko-KR" dirty="0">
               <a:latin typeface="맑은 고딕" panose="020B0503020000020004" pitchFamily="50" charset="-127"/>
               <a:ea typeface="맑은 고딕" panose="020B0503020000020004" pitchFamily="50" charset="-127"/>
             </a:endParaRPr>
@@ -16585,8 +16589,8 @@
         </p:blipFill>
         <p:spPr bwMode="auto">
           <a:xfrm>
-            <a:off x="3889699" y="3162765"/>
-            <a:ext cx="7722645" cy="2008046"/>
+            <a:off x="4139680" y="2893050"/>
+            <a:ext cx="5438497" cy="1414121"/>
           </a:xfrm>
           <a:prstGeom prst="rect">
             <a:avLst/>
@@ -17231,8 +17235,8 @@
         </p:blipFill>
         <p:spPr>
           <a:xfrm>
-            <a:off x="6596620" y="2103121"/>
-            <a:ext cx="4299980" cy="3840233"/>
+            <a:off x="4077087" y="2853060"/>
+            <a:ext cx="3435466" cy="3068151"/>
           </a:xfrm>
           <a:prstGeom prst="rect">
             <a:avLst/>
